--- a/resources/design/boxes-layout.pptx
+++ b/resources/design/boxes-layout.pptx
@@ -247,7 +247,7 @@
           <a:p>
             <a:fld id="{1900EF24-A586-9E4A-A9A4-2543C41413AD}" type="datetimeFigureOut">
               <a:rPr lang="en-US" smtClean="0"/>
-              <a:t>2/21/18</a:t>
+              <a:t>2/23/18</a:t>
             </a:fld>
             <a:endParaRPr lang="en-US"/>
           </a:p>
@@ -417,7 +417,7 @@
           <a:p>
             <a:fld id="{1900EF24-A586-9E4A-A9A4-2543C41413AD}" type="datetimeFigureOut">
               <a:rPr lang="en-US" smtClean="0"/>
-              <a:t>2/21/18</a:t>
+              <a:t>2/23/18</a:t>
             </a:fld>
             <a:endParaRPr lang="en-US"/>
           </a:p>
@@ -597,7 +597,7 @@
           <a:p>
             <a:fld id="{1900EF24-A586-9E4A-A9A4-2543C41413AD}" type="datetimeFigureOut">
               <a:rPr lang="en-US" smtClean="0"/>
-              <a:t>2/21/18</a:t>
+              <a:t>2/23/18</a:t>
             </a:fld>
             <a:endParaRPr lang="en-US"/>
           </a:p>
@@ -767,7 +767,7 @@
           <a:p>
             <a:fld id="{1900EF24-A586-9E4A-A9A4-2543C41413AD}" type="datetimeFigureOut">
               <a:rPr lang="en-US" smtClean="0"/>
-              <a:t>2/21/18</a:t>
+              <a:t>2/23/18</a:t>
             </a:fld>
             <a:endParaRPr lang="en-US"/>
           </a:p>
@@ -1013,7 +1013,7 @@
           <a:p>
             <a:fld id="{1900EF24-A586-9E4A-A9A4-2543C41413AD}" type="datetimeFigureOut">
               <a:rPr lang="en-US" smtClean="0"/>
-              <a:t>2/21/18</a:t>
+              <a:t>2/23/18</a:t>
             </a:fld>
             <a:endParaRPr lang="en-US"/>
           </a:p>
@@ -1245,7 +1245,7 @@
           <a:p>
             <a:fld id="{1900EF24-A586-9E4A-A9A4-2543C41413AD}" type="datetimeFigureOut">
               <a:rPr lang="en-US" smtClean="0"/>
-              <a:t>2/21/18</a:t>
+              <a:t>2/23/18</a:t>
             </a:fld>
             <a:endParaRPr lang="en-US"/>
           </a:p>
@@ -1612,7 +1612,7 @@
           <a:p>
             <a:fld id="{1900EF24-A586-9E4A-A9A4-2543C41413AD}" type="datetimeFigureOut">
               <a:rPr lang="en-US" smtClean="0"/>
-              <a:t>2/21/18</a:t>
+              <a:t>2/23/18</a:t>
             </a:fld>
             <a:endParaRPr lang="en-US"/>
           </a:p>
@@ -1730,7 +1730,7 @@
           <a:p>
             <a:fld id="{1900EF24-A586-9E4A-A9A4-2543C41413AD}" type="datetimeFigureOut">
               <a:rPr lang="en-US" smtClean="0"/>
-              <a:t>2/21/18</a:t>
+              <a:t>2/23/18</a:t>
             </a:fld>
             <a:endParaRPr lang="en-US"/>
           </a:p>
@@ -1825,7 +1825,7 @@
           <a:p>
             <a:fld id="{1900EF24-A586-9E4A-A9A4-2543C41413AD}" type="datetimeFigureOut">
               <a:rPr lang="en-US" smtClean="0"/>
-              <a:t>2/21/18</a:t>
+              <a:t>2/23/18</a:t>
             </a:fld>
             <a:endParaRPr lang="en-US"/>
           </a:p>
@@ -2102,7 +2102,7 @@
           <a:p>
             <a:fld id="{1900EF24-A586-9E4A-A9A4-2543C41413AD}" type="datetimeFigureOut">
               <a:rPr lang="en-US" smtClean="0"/>
-              <a:t>2/21/18</a:t>
+              <a:t>2/23/18</a:t>
             </a:fld>
             <a:endParaRPr lang="en-US"/>
           </a:p>
@@ -2355,7 +2355,7 @@
           <a:p>
             <a:fld id="{1900EF24-A586-9E4A-A9A4-2543C41413AD}" type="datetimeFigureOut">
               <a:rPr lang="en-US" smtClean="0"/>
-              <a:t>2/21/18</a:t>
+              <a:t>2/23/18</a:t>
             </a:fld>
             <a:endParaRPr lang="en-US"/>
           </a:p>
@@ -2568,7 +2568,7 @@
           <a:p>
             <a:fld id="{1900EF24-A586-9E4A-A9A4-2543C41413AD}" type="datetimeFigureOut">
               <a:rPr lang="en-US" smtClean="0"/>
-              <a:t>2/21/18</a:t>
+              <a:t>2/23/18</a:t>
             </a:fld>
             <a:endParaRPr lang="en-US"/>
           </a:p>
@@ -3360,29 +3360,29 @@
           <a:p>
             <a:r>
               <a:rPr lang="en-US" dirty="0" smtClean="0"/>
-              <a:t>font-size: </a:t>
-            </a:r>
+              <a:t>font-size: 1rem;</a:t>
+            </a:r>
+          </a:p>
+          <a:p>
             <a:r>
               <a:rPr lang="en-US" dirty="0" smtClean="0"/>
-              <a:t>1rem;</a:t>
-            </a:r>
-            <a:endParaRPr lang="en-US" dirty="0" smtClean="0"/>
+              <a:t>color: white;</a:t>
+            </a:r>
           </a:p>
           <a:p>
             <a:r>
               <a:rPr lang="en-US" dirty="0" smtClean="0"/>
-              <a:t>color: </a:t>
-            </a:r>
+              <a:t>background-color: black;</a:t>
+            </a:r>
+          </a:p>
+          <a:p>
             <a:r>
               <a:rPr lang="en-US" dirty="0" smtClean="0"/>
-              <a:t>white;</a:t>
-            </a:r>
-            <a:endParaRPr lang="en-US" dirty="0" smtClean="0"/>
-          </a:p>
-          <a:p>
-            <a:r>
-              <a:rPr lang="en-US" dirty="0" smtClean="0"/>
-              <a:t>background-color: black</a:t>
+              <a:t>z-index</a:t>
+            </a:r>
+            <a:r>
+              <a:rPr lang="en-US" dirty="0"/>
+              <a:t>: 1</a:t>
             </a:r>
             <a:r>
               <a:rPr lang="en-US" dirty="0" smtClean="0"/>
@@ -3392,23 +3392,8 @@
           <a:p>
             <a:r>
               <a:rPr lang="en-US" dirty="0" smtClean="0"/>
-              <a:t>z-index</a:t>
-            </a:r>
-            <a:r>
-              <a:rPr lang="en-US" dirty="0"/>
-              <a:t>: 1</a:t>
-            </a:r>
-            <a:r>
-              <a:rPr lang="en-US" dirty="0" smtClean="0"/>
-              <a:t>;</a:t>
-            </a:r>
-          </a:p>
-          <a:p>
-            <a:r>
-              <a:rPr lang="en-US" dirty="0" smtClean="0"/>
               <a:t>Width: 960px;</a:t>
             </a:r>
-            <a:endParaRPr lang="en-US" dirty="0" smtClean="0"/>
           </a:p>
         </p:txBody>
       </p:sp>
@@ -3997,11 +3982,7 @@
           <a:p>
             <a:r>
               <a:rPr lang="en-US" dirty="0" smtClean="0"/>
-              <a:t>Header </a:t>
-            </a:r>
-            <a:r>
-              <a:rPr lang="en-US" dirty="0" smtClean="0"/>
-              <a:t>4</a:t>
+              <a:t>Header 4</a:t>
             </a:r>
             <a:endParaRPr lang="en-US" dirty="0"/>
           </a:p>
@@ -4154,8 +4135,8 @@
         </p:nvSpPr>
         <p:spPr>
           <a:xfrm>
-            <a:off x="2933794" y="2913239"/>
-            <a:ext cx="1100345" cy="369332"/>
+            <a:off x="5016967" y="1453779"/>
+            <a:ext cx="781647" cy="369332"/>
           </a:xfrm>
           <a:prstGeom prst="rect">
             <a:avLst/>
@@ -4170,7 +4151,7 @@
           <a:p>
             <a:r>
               <a:rPr lang="en-US" smtClean="0"/>
-              <a:t>0.25rem</a:t>
+              <a:t>9rem</a:t>
             </a:r>
             <a:endParaRPr lang="en-US" dirty="0"/>
           </a:p>
@@ -4244,33 +4225,19 @@
           <a:p>
             <a:r>
               <a:rPr lang="en-US" dirty="0" smtClean="0"/>
-              <a:t>font-size: </a:t>
-            </a:r>
+              <a:t>font-size: 1rem;</a:t>
+            </a:r>
+          </a:p>
+          <a:p>
             <a:r>
               <a:rPr lang="en-US" dirty="0" smtClean="0"/>
-              <a:t>1rem;</a:t>
-            </a:r>
-            <a:endParaRPr lang="en-US" dirty="0" smtClean="0"/>
+              <a:t>color: white;</a:t>
+            </a:r>
           </a:p>
           <a:p>
             <a:r>
               <a:rPr lang="en-US" dirty="0" smtClean="0"/>
-              <a:t>color: </a:t>
-            </a:r>
-            <a:r>
-              <a:rPr lang="en-US" dirty="0" smtClean="0"/>
-              <a:t>white;</a:t>
-            </a:r>
-            <a:endParaRPr lang="en-US" dirty="0" smtClean="0"/>
-          </a:p>
-          <a:p>
-            <a:r>
-              <a:rPr lang="en-US" dirty="0" smtClean="0"/>
-              <a:t>background-color: black</a:t>
-            </a:r>
-            <a:r>
-              <a:rPr lang="en-US" dirty="0" smtClean="0"/>
-              <a:t>;</a:t>
+              <a:t>background-color: black;</a:t>
             </a:r>
           </a:p>
           <a:p>
@@ -4284,7 +4251,6 @@
               <a:rPr lang="en-US" dirty="0" smtClean="0"/>
               <a:t>width: 20rem;</a:t>
             </a:r>
-            <a:endParaRPr lang="en-US" dirty="0" smtClean="0"/>
           </a:p>
         </p:txBody>
       </p:sp>
@@ -4328,13 +4294,80 @@
               <a:rPr lang="en-US" dirty="0" smtClean="0"/>
               <a:t>rem;</a:t>
             </a:r>
-            <a:endParaRPr lang="en-US" dirty="0" smtClean="0"/>
           </a:p>
           <a:p>
             <a:r>
               <a:rPr lang="en-US" dirty="0" smtClean="0"/>
               <a:t>font-weight: bold</a:t>
             </a:r>
+          </a:p>
+        </p:txBody>
+      </p:sp>
+      <p:sp>
+        <p:nvSpPr>
+          <p:cNvPr id="21" name="Left Brace 20"/>
+          <p:cNvSpPr/>
+          <p:nvPr/>
+        </p:nvSpPr>
+        <p:spPr>
+          <a:xfrm flipH="1">
+            <a:off x="4609195" y="1116343"/>
+            <a:ext cx="385011" cy="1044204"/>
+          </a:xfrm>
+          <a:prstGeom prst="leftBrace">
+            <a:avLst/>
+          </a:prstGeom>
+        </p:spPr>
+        <p:style>
+          <a:lnRef idx="1">
+            <a:schemeClr val="accent1"/>
+          </a:lnRef>
+          <a:fillRef idx="0">
+            <a:schemeClr val="accent1"/>
+          </a:fillRef>
+          <a:effectRef idx="0">
+            <a:schemeClr val="accent1"/>
+          </a:effectRef>
+          <a:fontRef idx="minor">
+            <a:schemeClr val="tx1"/>
+          </a:fontRef>
+        </p:style>
+        <p:txBody>
+          <a:bodyPr rtlCol="0" anchor="ctr"/>
+          <a:lstStyle/>
+          <a:p>
+            <a:pPr algn="ctr"/>
+            <a:endParaRPr lang="en-US"/>
+          </a:p>
+        </p:txBody>
+      </p:sp>
+      <p:sp>
+        <p:nvSpPr>
+          <p:cNvPr id="27" name="TextBox 26"/>
+          <p:cNvSpPr txBox="1"/>
+          <p:nvPr/>
+        </p:nvSpPr>
+        <p:spPr>
+          <a:xfrm>
+            <a:off x="3005287" y="2484418"/>
+            <a:ext cx="862953" cy="369332"/>
+          </a:xfrm>
+          <a:prstGeom prst="rect">
+            <a:avLst/>
+          </a:prstGeom>
+          <a:noFill/>
+        </p:spPr>
+        <p:txBody>
+          <a:bodyPr wrap="square" rtlCol="0">
+            <a:spAutoFit/>
+          </a:bodyPr>
+          <a:lstStyle/>
+          <a:p>
+            <a:r>
+              <a:rPr lang="en-US" dirty="0" smtClean="0"/>
+              <a:t>2rem</a:t>
+            </a:r>
+            <a:endParaRPr lang="en-US" dirty="0"/>
           </a:p>
         </p:txBody>
       </p:sp>
@@ -4612,7 +4645,6 @@
               <a:rPr lang="en-US" dirty="0" smtClean="0"/>
               <a:t>justify-content: space-between;</a:t>
             </a:r>
-            <a:endParaRPr lang="en-US" dirty="0" smtClean="0"/>
           </a:p>
           <a:p>
             <a:r>
@@ -4626,10 +4658,6 @@
             <a:r>
               <a:rPr lang="en-US" dirty="0" smtClean="0"/>
               <a:t>firebrick;  </a:t>
-            </a:r>
-            <a:r>
-              <a:rPr lang="en-US" dirty="0" smtClean="0"/>
-              <a:t/>
             </a:r>
             <a:br>
               <a:rPr lang="en-US" dirty="0" smtClean="0"/>
